--- a/atlas/ObesityCharts.pptx
+++ b/atlas/ObesityCharts.pptx
@@ -9665,10 +9665,10 @@
                   <c:v>2.60147001945142</c:v>
                 </c:pt>
                 <c:pt idx="4">
-                  <c:v>4.8652607227359495</c:v>
+                  <c:v>4.8596780561047481</c:v>
                 </c:pt>
                 <c:pt idx="5">
-                  <c:v>5.2572168671603823</c:v>
+                  <c:v>5.251634200529181</c:v>
                 </c:pt>
               </c:numCache>
             </c:numRef>
@@ -9889,7 +9889,7 @@
                   <c:v>1.3786034003429999</c:v>
                 </c:pt>
                 <c:pt idx="3">
-                  <c:v>2.2637907032845295</c:v>
+                  <c:v>2.2582080366533286</c:v>
                 </c:pt>
                 <c:pt idx="4">
                   <c:v>0.39195614442443294</c:v>
@@ -9996,10 +9996,10 @@
                   <c:v>2.60147001945142</c:v>
                 </c:pt>
                 <c:pt idx="3">
-                  <c:v>4.8652607227359495</c:v>
+                  <c:v>4.8596780561047481</c:v>
                 </c:pt>
                 <c:pt idx="4">
-                  <c:v>5.2572168671603823</c:v>
+                  <c:v>5.251634200529181</c:v>
                 </c:pt>
               </c:numCache>
             </c:numRef>
@@ -11116,24 +11116,24 @@
             <c:numRef>
               <c:f>Sheet1!$B$2:$B$30</c:f>
               <c:numCache>
-                <c:formatCode>0.0</c:formatCode>
+                <c:formatCode>General</c:formatCode>
                 <c:ptCount val="29"/>
-                <c:pt idx="0">
+                <c:pt idx="0" formatCode="0.0">
                   <c:v>12.612735720142112</c:v>
                 </c:pt>
-                <c:pt idx="5">
+                <c:pt idx="5" formatCode="0.0">
                   <c:v>13.743086716059688</c:v>
                 </c:pt>
-                <c:pt idx="10">
+                <c:pt idx="10" formatCode="0.0">
                   <c:v>12.378378378378379</c:v>
                 </c:pt>
-                <c:pt idx="15">
+                <c:pt idx="15" formatCode="0.0">
                   <c:v>13.024647610048035</c:v>
                 </c:pt>
-                <c:pt idx="20">
+                <c:pt idx="20" formatCode="0.0">
                   <c:v>13.331588931772092</c:v>
                 </c:pt>
-                <c:pt idx="26">
+                <c:pt idx="26" formatCode="0.0">
                   <c:v>12.810969637610185</c:v>
                 </c:pt>
               </c:numCache>
@@ -11273,24 +11273,24 @@
             <c:numRef>
               <c:f>Sheet1!$C$2:$C$30</c:f>
               <c:numCache>
-                <c:formatCode>0.0</c:formatCode>
+                <c:formatCode>General</c:formatCode>
                 <c:ptCount val="29"/>
-                <c:pt idx="0">
+                <c:pt idx="0" formatCode="0.0">
                   <c:v>15.701011205247335</c:v>
                 </c:pt>
-                <c:pt idx="5">
+                <c:pt idx="5" formatCode="0.0">
                   <c:v>13.701346133778564</c:v>
                 </c:pt>
-                <c:pt idx="10">
+                <c:pt idx="10" formatCode="0.0">
                   <c:v>11.297297297297295</c:v>
                 </c:pt>
-                <c:pt idx="15">
+                <c:pt idx="15" formatCode="0.0">
                   <c:v>10.221277265926451</c:v>
                 </c:pt>
-                <c:pt idx="20">
+                <c:pt idx="20" formatCode="0.0">
                   <c:v>10.996271341662853</c:v>
                 </c:pt>
-                <c:pt idx="26">
+                <c:pt idx="26" formatCode="0.0">
                   <c:v>10.362389813907935</c:v>
                 </c:pt>
               </c:numCache>
@@ -11427,24 +11427,24 @@
             <c:numRef>
               <c:f>Sheet1!$D$2:$D$30</c:f>
               <c:numCache>
-                <c:formatCode>0.0</c:formatCode>
+                <c:formatCode>General</c:formatCode>
                 <c:ptCount val="29"/>
-                <c:pt idx="0">
+                <c:pt idx="0" formatCode="0.0">
                   <c:v>22.191855698278211</c:v>
                 </c:pt>
-                <c:pt idx="5">
+                <c:pt idx="5" formatCode="0.0">
                   <c:v>24.501721799019098</c:v>
                 </c:pt>
-                <c:pt idx="10">
+                <c:pt idx="10" formatCode="0.0">
                   <c:v>26.567567567567568</c:v>
                 </c:pt>
-                <c:pt idx="15">
+                <c:pt idx="15" formatCode="0.0">
                   <c:v>26.419403102606502</c:v>
                 </c:pt>
-                <c:pt idx="20">
+                <c:pt idx="20" formatCode="0.0">
                   <c:v>27.539739648066984</c:v>
                 </c:pt>
-                <c:pt idx="26">
+                <c:pt idx="26" formatCode="0.0">
                   <c:v>30.832517140058769</c:v>
                 </c:pt>
               </c:numCache>
@@ -14344,12 +14344,12 @@
 <c:userShapes xmlns:c="http://schemas.openxmlformats.org/drawingml/2006/chart">
   <cdr:relSizeAnchor xmlns:cdr="http://schemas.openxmlformats.org/drawingml/2006/chartDrawing">
     <cdr:from>
-      <cdr:x>0.07112</cdr:x>
-      <cdr:y>0.101</cdr:y>
+      <cdr:x>0.07839</cdr:x>
+      <cdr:y>0.04851</cdr:y>
     </cdr:from>
     <cdr:to>
-      <cdr:x>0.18521</cdr:x>
-      <cdr:y>0.15036</cdr:y>
+      <cdr:x>0.19248</cdr:x>
+      <cdr:y>0.09787</cdr:y>
     </cdr:to>
     <cdr:sp macro="" textlink="">
       <cdr:nvSpPr>
@@ -14358,8 +14358,8 @@
       </cdr:nvSpPr>
       <cdr:spPr>
         <a:xfrm xmlns:a="http://schemas.openxmlformats.org/drawingml/2006/main">
-          <a:off x="704528" y="692632"/>
-          <a:ext cx="1130118" cy="338554"/>
+          <a:off x="776536" y="332656"/>
+          <a:ext cx="1130175" cy="338511"/>
         </a:xfrm>
         <a:prstGeom xmlns:a="http://schemas.openxmlformats.org/drawingml/2006/main" prst="rect">
           <a:avLst/>
@@ -14453,12 +14453,12 @@
   </cdr:relSizeAnchor>
   <cdr:relSizeAnchor xmlns:cdr="http://schemas.openxmlformats.org/drawingml/2006/chartDrawing">
     <cdr:from>
-      <cdr:x>0.07112</cdr:x>
-      <cdr:y>0.04851</cdr:y>
+      <cdr:x>0.07839</cdr:x>
+      <cdr:y>0.10101</cdr:y>
     </cdr:from>
     <cdr:to>
-      <cdr:x>0.22947</cdr:x>
-      <cdr:y>0.09787</cdr:y>
+      <cdr:x>0.23674</cdr:x>
+      <cdr:y>0.15037</cdr:y>
     </cdr:to>
     <cdr:sp macro="" textlink="">
       <cdr:nvSpPr>
@@ -14467,7 +14467,7 @@
       </cdr:nvSpPr>
       <cdr:spPr>
         <a:xfrm xmlns:a="http://schemas.openxmlformats.org/drawingml/2006/main">
-          <a:off x="704528" y="332656"/>
+          <a:off x="776536" y="692696"/>
           <a:ext cx="1568615" cy="338510"/>
         </a:xfrm>
         <a:prstGeom xmlns:a="http://schemas.openxmlformats.org/drawingml/2006/main" prst="rect">
@@ -15733,12 +15733,12 @@
 <c:userShapes xmlns:c="http://schemas.openxmlformats.org/drawingml/2006/chart">
   <cdr:relSizeAnchor xmlns:cdr="http://schemas.openxmlformats.org/drawingml/2006/chartDrawing">
     <cdr:from>
-      <cdr:x>0.07322</cdr:x>
-      <cdr:y>0.07263</cdr:y>
+      <cdr:x>0.07111</cdr:x>
+      <cdr:y>0.07112</cdr:y>
     </cdr:from>
     <cdr:to>
-      <cdr:x>0.40033</cdr:x>
-      <cdr:y>0.122</cdr:y>
+      <cdr:x>0.39822</cdr:x>
+      <cdr:y>0.12049</cdr:y>
     </cdr:to>
     <cdr:sp macro="" textlink="">
       <cdr:nvSpPr>
@@ -15747,8 +15747,8 @@
       </cdr:nvSpPr>
       <cdr:spPr>
         <a:xfrm xmlns:a="http://schemas.openxmlformats.org/drawingml/2006/main">
-          <a:off x="725405" y="498097"/>
-          <a:ext cx="3240744" cy="338554"/>
+          <a:off x="704528" y="487718"/>
+          <a:ext cx="3240744" cy="338579"/>
         </a:xfrm>
         <a:prstGeom xmlns:a="http://schemas.openxmlformats.org/drawingml/2006/main" prst="rect">
           <a:avLst/>
@@ -15843,12 +15843,12 @@
   </cdr:relSizeAnchor>
   <cdr:relSizeAnchor xmlns:cdr="http://schemas.openxmlformats.org/drawingml/2006/chartDrawing">
     <cdr:from>
-      <cdr:x>0.07322</cdr:x>
-      <cdr:y>0.26606</cdr:y>
+      <cdr:x>0.07111</cdr:x>
+      <cdr:y>0.2585</cdr:y>
     </cdr:from>
     <cdr:to>
-      <cdr:x>0.26949</cdr:x>
-      <cdr:y>0.31543</cdr:y>
+      <cdr:x>0.26738</cdr:x>
+      <cdr:y>0.30787</cdr:y>
     </cdr:to>
     <cdr:sp macro="" textlink="">
       <cdr:nvSpPr>
@@ -15857,8 +15857,8 @@
       </cdr:nvSpPr>
       <cdr:spPr>
         <a:xfrm xmlns:a="http://schemas.openxmlformats.org/drawingml/2006/main">
-          <a:off x="725405" y="1824639"/>
-          <a:ext cx="1944486" cy="338554"/>
+          <a:off x="704528" y="1772816"/>
+          <a:ext cx="1944486" cy="338580"/>
         </a:xfrm>
         <a:prstGeom xmlns:a="http://schemas.openxmlformats.org/drawingml/2006/main" prst="rect">
           <a:avLst/>
@@ -15953,12 +15953,12 @@
   </cdr:relSizeAnchor>
   <cdr:relSizeAnchor xmlns:cdr="http://schemas.openxmlformats.org/drawingml/2006/chartDrawing">
     <cdr:from>
-      <cdr:x>0.07322</cdr:x>
-      <cdr:y>0.2177</cdr:y>
+      <cdr:x>0.07111</cdr:x>
+      <cdr:y>0.21166</cdr:y>
     </cdr:from>
     <cdr:to>
-      <cdr:x>0.40033</cdr:x>
-      <cdr:y>0.26707</cdr:y>
+      <cdr:x>0.39822</cdr:x>
+      <cdr:y>0.26103</cdr:y>
     </cdr:to>
     <cdr:sp macro="" textlink="">
       <cdr:nvSpPr>
@@ -15967,8 +15967,8 @@
       </cdr:nvSpPr>
       <cdr:spPr>
         <a:xfrm xmlns:a="http://schemas.openxmlformats.org/drawingml/2006/main">
-          <a:off x="725405" y="1492987"/>
-          <a:ext cx="3240744" cy="338554"/>
+          <a:off x="704528" y="1451540"/>
+          <a:ext cx="3240744" cy="338579"/>
         </a:xfrm>
         <a:prstGeom xmlns:a="http://schemas.openxmlformats.org/drawingml/2006/main" prst="rect">
           <a:avLst/>
@@ -16063,12 +16063,12 @@
   </cdr:relSizeAnchor>
   <cdr:relSizeAnchor xmlns:cdr="http://schemas.openxmlformats.org/drawingml/2006/chartDrawing">
     <cdr:from>
-      <cdr:x>0.07322</cdr:x>
-      <cdr:y>0.16934</cdr:y>
+      <cdr:x>0.07111</cdr:x>
+      <cdr:y>0.16481</cdr:y>
     </cdr:from>
     <cdr:to>
-      <cdr:x>0.4133</cdr:x>
-      <cdr:y>0.21871</cdr:y>
+      <cdr:x>0.41119</cdr:x>
+      <cdr:y>0.21418</cdr:y>
     </cdr:to>
     <cdr:sp macro="" textlink="">
       <cdr:nvSpPr>
@@ -16077,8 +16077,8 @@
       </cdr:nvSpPr>
       <cdr:spPr>
         <a:xfrm xmlns:a="http://schemas.openxmlformats.org/drawingml/2006/main">
-          <a:off x="725405" y="1161334"/>
-          <a:ext cx="3369241" cy="338554"/>
+          <a:off x="704528" y="1130266"/>
+          <a:ext cx="3369241" cy="338579"/>
         </a:xfrm>
         <a:prstGeom xmlns:a="http://schemas.openxmlformats.org/drawingml/2006/main" prst="rect">
           <a:avLst/>
@@ -16173,11 +16173,11 @@
   </cdr:relSizeAnchor>
   <cdr:relSizeAnchor xmlns:cdr="http://schemas.openxmlformats.org/drawingml/2006/chartDrawing">
     <cdr:from>
-      <cdr:x>0.07322</cdr:x>
+      <cdr:x>0.07111</cdr:x>
       <cdr:y>0.02427</cdr:y>
     </cdr:from>
     <cdr:to>
-      <cdr:x>0.36399</cdr:x>
+      <cdr:x>0.36188</cdr:x>
       <cdr:y>0.07364</cdr:y>
     </cdr:to>
     <cdr:sp macro="" textlink="">
@@ -16187,8 +16187,8 @@
       </cdr:nvSpPr>
       <cdr:spPr>
         <a:xfrm xmlns:a="http://schemas.openxmlformats.org/drawingml/2006/main">
-          <a:off x="725405" y="166444"/>
-          <a:ext cx="2880717" cy="338554"/>
+          <a:off x="704528" y="166444"/>
+          <a:ext cx="2880717" cy="338579"/>
         </a:xfrm>
         <a:prstGeom xmlns:a="http://schemas.openxmlformats.org/drawingml/2006/main" prst="rect">
           <a:avLst/>
@@ -16283,12 +16283,12 @@
   </cdr:relSizeAnchor>
   <cdr:relSizeAnchor xmlns:cdr="http://schemas.openxmlformats.org/drawingml/2006/chartDrawing">
     <cdr:from>
-      <cdr:x>0.07322</cdr:x>
-      <cdr:y>0.12098</cdr:y>
+      <cdr:x>0.07111</cdr:x>
+      <cdr:y>0.11796</cdr:y>
     </cdr:from>
     <cdr:to>
-      <cdr:x>0.40033</cdr:x>
-      <cdr:y>0.17035</cdr:y>
+      <cdr:x>0.39822</cdr:x>
+      <cdr:y>0.16733</cdr:y>
     </cdr:to>
     <cdr:sp macro="" textlink="">
       <cdr:nvSpPr>
@@ -16297,8 +16297,8 @@
       </cdr:nvSpPr>
       <cdr:spPr>
         <a:xfrm xmlns:a="http://schemas.openxmlformats.org/drawingml/2006/main">
-          <a:off x="725405" y="829681"/>
-          <a:ext cx="3240744" cy="338554"/>
+          <a:off x="704528" y="808992"/>
+          <a:ext cx="3240744" cy="338579"/>
         </a:xfrm>
         <a:prstGeom xmlns:a="http://schemas.openxmlformats.org/drawingml/2006/main" prst="rect">
           <a:avLst/>
@@ -22367,7 +22367,7 @@
           <p:nvPr>
             <p:extLst>
               <p:ext uri="{D42A27DB-BD31-4B8C-83A1-F6EECF244321}">
-                <p14:modId xmlns:p14="http://schemas.microsoft.com/office/powerpoint/2010/main" val="3464830943"/>
+                <p14:modId xmlns:p14="http://schemas.microsoft.com/office/powerpoint/2010/main" val="3430564874"/>
               </p:ext>
             </p:extLst>
           </p:nvPr>
@@ -22589,7 +22589,7 @@
                   <a:schemeClr val="bg2"/>
                 </a:solidFill>
               </a:rPr>
-              <a:t>Escalating volumetric tax</a:t>
+              <a:t>Tiered volumetric tax</a:t>
             </a:r>
           </a:p>
         </p:txBody>
@@ -22768,7 +22768,11 @@
           <p:cNvPr id="4" name="Chart 3"/>
           <p:cNvGraphicFramePr/>
           <p:nvPr>
-            <p:extLst/>
+            <p:extLst>
+              <p:ext uri="{D42A27DB-BD31-4B8C-83A1-F6EECF244321}">
+                <p14:modId xmlns:p14="http://schemas.microsoft.com/office/powerpoint/2010/main" val="2764741583"/>
+              </p:ext>
+            </p:extLst>
           </p:nvPr>
         </p:nvGraphicFramePr>
         <p:xfrm>
@@ -22841,7 +22845,7 @@
         </p:nvSpPr>
         <p:spPr>
           <a:xfrm>
-            <a:off x="7803649" y="599202"/>
+            <a:off x="1064568" y="596971"/>
             <a:ext cx="2232248" cy="338554"/>
           </a:xfrm>
           <a:prstGeom prst="rect">
@@ -22864,7 +22868,7 @@
                   <a:schemeClr val="accent1"/>
                 </a:solidFill>
               </a:rPr>
-              <a:t>Men</a:t>
+              <a:t>Males</a:t>
             </a:r>
           </a:p>
         </p:txBody>
@@ -22877,8 +22881,8 @@
         </p:nvSpPr>
         <p:spPr>
           <a:xfrm>
-            <a:off x="7803649" y="262879"/>
-            <a:ext cx="1014445" cy="338554"/>
+            <a:off x="1064568" y="260648"/>
+            <a:ext cx="1130118" cy="338554"/>
           </a:xfrm>
           <a:prstGeom prst="rect">
             <a:avLst/>
@@ -22900,7 +22904,7 @@
                   <a:schemeClr val="accent3"/>
                 </a:solidFill>
               </a:rPr>
-              <a:t>Women</a:t>
+              <a:t>Females</a:t>
             </a:r>
           </a:p>
         </p:txBody>
@@ -22942,7 +22946,7 @@
           <p:nvPr>
             <p:extLst>
               <p:ext uri="{D42A27DB-BD31-4B8C-83A1-F6EECF244321}">
-                <p14:modId xmlns:p14="http://schemas.microsoft.com/office/powerpoint/2010/main" val="1647791329"/>
+                <p14:modId xmlns:p14="http://schemas.microsoft.com/office/powerpoint/2010/main" val="2689738557"/>
               </p:ext>
             </p:extLst>
           </p:nvPr>

--- a/atlas/ObesityCharts.pptx
+++ b/atlas/ObesityCharts.pptx
@@ -851,9 +851,6 @@
               <c:f>Sheet1!$A$3</c:f>
               <c:strCache>
                 <c:ptCount val="1"/>
-                <c:pt idx="0">
-                  <c:v>% of total exp. on goods and services</c:v>
-                </c:pt>
               </c:strCache>
             </c:strRef>
           </c:tx>
@@ -896,19 +893,19 @@
                 <c:formatCode>0.00</c:formatCode>
                 <c:ptCount val="5"/>
                 <c:pt idx="0">
-                  <c:v>0.64217229536348031</c:v>
+                  <c:v>2</c:v>
                 </c:pt>
                 <c:pt idx="1">
-                  <c:v>0.78165263700395116</c:v>
+                  <c:v>2</c:v>
                 </c:pt>
                 <c:pt idx="2">
-                  <c:v>0.75846323548274008</c:v>
+                  <c:v>2</c:v>
                 </c:pt>
                 <c:pt idx="3">
-                  <c:v>0.74284362431984863</c:v>
+                  <c:v>2</c:v>
                 </c:pt>
                 <c:pt idx="4">
-                  <c:v>0.56441979127117148</c:v>
+                  <c:v>2</c:v>
                 </c:pt>
               </c:numCache>
             </c:numRef>
@@ -1002,7 +999,7 @@
           <c:smooth val="0"/>
           <c:extLst>
             <c:ext xmlns:c16="http://schemas.microsoft.com/office/drawing/2014/chart" uri="{C3380CC4-5D6E-409C-BE32-E72D297353CC}">
-              <c16:uniqueId val="{00000000-5CC0-42EC-91A4-CFFEFAF24281}"/>
+              <c16:uniqueId val="{00000000-D2AF-4F4A-B7FA-D0E8DEB607AA}"/>
             </c:ext>
           </c:extLst>
         </c:ser>
@@ -11116,24 +11113,24 @@
             <c:numRef>
               <c:f>Sheet1!$B$2:$B$30</c:f>
               <c:numCache>
-                <c:formatCode>General</c:formatCode>
+                <c:formatCode>0.0</c:formatCode>
                 <c:ptCount val="29"/>
-                <c:pt idx="0" formatCode="0.0">
+                <c:pt idx="0">
                   <c:v>12.612735720142112</c:v>
                 </c:pt>
-                <c:pt idx="5" formatCode="0.0">
+                <c:pt idx="5">
                   <c:v>13.743086716059688</c:v>
                 </c:pt>
-                <c:pt idx="10" formatCode="0.0">
+                <c:pt idx="10">
                   <c:v>12.378378378378379</c:v>
                 </c:pt>
-                <c:pt idx="15" formatCode="0.0">
+                <c:pt idx="15">
                   <c:v>13.024647610048035</c:v>
                 </c:pt>
-                <c:pt idx="20" formatCode="0.0">
+                <c:pt idx="20">
                   <c:v>13.331588931772092</c:v>
                 </c:pt>
-                <c:pt idx="26" formatCode="0.0">
+                <c:pt idx="26">
                   <c:v>12.810969637610185</c:v>
                 </c:pt>
               </c:numCache>
@@ -11273,24 +11270,24 @@
             <c:numRef>
               <c:f>Sheet1!$C$2:$C$30</c:f>
               <c:numCache>
-                <c:formatCode>General</c:formatCode>
+                <c:formatCode>0.0</c:formatCode>
                 <c:ptCount val="29"/>
-                <c:pt idx="0" formatCode="0.0">
+                <c:pt idx="0">
                   <c:v>15.701011205247335</c:v>
                 </c:pt>
-                <c:pt idx="5" formatCode="0.0">
+                <c:pt idx="5">
                   <c:v>13.701346133778564</c:v>
                 </c:pt>
-                <c:pt idx="10" formatCode="0.0">
+                <c:pt idx="10">
                   <c:v>11.297297297297295</c:v>
                 </c:pt>
-                <c:pt idx="15" formatCode="0.0">
+                <c:pt idx="15">
                   <c:v>10.221277265926451</c:v>
                 </c:pt>
-                <c:pt idx="20" formatCode="0.0">
+                <c:pt idx="20">
                   <c:v>10.996271341662853</c:v>
                 </c:pt>
-                <c:pt idx="26" formatCode="0.0">
+                <c:pt idx="26">
                   <c:v>10.362389813907935</c:v>
                 </c:pt>
               </c:numCache>
@@ -11427,24 +11424,24 @@
             <c:numRef>
               <c:f>Sheet1!$D$2:$D$30</c:f>
               <c:numCache>
-                <c:formatCode>General</c:formatCode>
+                <c:formatCode>0.0</c:formatCode>
                 <c:ptCount val="29"/>
-                <c:pt idx="0" formatCode="0.0">
+                <c:pt idx="0">
                   <c:v>22.191855698278211</c:v>
                 </c:pt>
-                <c:pt idx="5" formatCode="0.0">
+                <c:pt idx="5">
                   <c:v>24.501721799019098</c:v>
                 </c:pt>
-                <c:pt idx="10" formatCode="0.0">
+                <c:pt idx="10">
                   <c:v>26.567567567567568</c:v>
                 </c:pt>
-                <c:pt idx="15" formatCode="0.0">
+                <c:pt idx="15">
                   <c:v>26.419403102606502</c:v>
                 </c:pt>
-                <c:pt idx="20" formatCode="0.0">
+                <c:pt idx="20">
                   <c:v>27.539739648066984</c:v>
                 </c:pt>
-                <c:pt idx="26" formatCode="0.0">
+                <c:pt idx="26">
                   <c:v>30.832517140058769</c:v>
                 </c:pt>
               </c:numCache>
@@ -16621,7 +16618,7 @@
       <cdr:y>0.09051</cdr:y>
     </cdr:from>
     <cdr:to>
-      <cdr:x>0.77623</cdr:x>
+      <cdr:x>0.90707</cdr:x>
       <cdr:y>0.13988</cdr:y>
     </cdr:to>
     <cdr:sp macro="" textlink="">
@@ -16631,8 +16628,8 @@
       </cdr:nvSpPr>
       <cdr:spPr>
         <a:xfrm xmlns:a="http://schemas.openxmlformats.org/drawingml/2006/main">
-          <a:off x="704528" y="620688"/>
-          <a:ext cx="6984819" cy="338579"/>
+          <a:off x="704515" y="620718"/>
+          <a:ext cx="8280933" cy="338554"/>
         </a:xfrm>
         <a:prstGeom xmlns:a="http://schemas.openxmlformats.org/drawingml/2006/main" prst="rect">
           <a:avLst/>
@@ -16718,7 +16715,7 @@
                 <a:schemeClr val="bg2"/>
               </a:solidFill>
             </a:rPr>
-            <a:t>% of household disposable income (%, RHS)</a:t>
+            <a:t>Proportion of weekly household disposable income (%, RHS)</a:t>
           </a:r>
         </a:p>
       </cdr:txBody>
@@ -22419,7 +22416,7 @@
           <p:nvPr>
             <p:extLst>
               <p:ext uri="{D42A27DB-BD31-4B8C-83A1-F6EECF244321}">
-                <p14:modId xmlns:p14="http://schemas.microsoft.com/office/powerpoint/2010/main" val="3543874075"/>
+                <p14:modId xmlns:p14="http://schemas.microsoft.com/office/powerpoint/2010/main" val="2542472801"/>
               </p:ext>
             </p:extLst>
           </p:nvPr>
@@ -22494,8 +22491,8 @@
         </p:nvSpPr>
         <p:spPr>
           <a:xfrm>
-            <a:off x="4232920" y="919182"/>
-            <a:ext cx="5385048" cy="338554"/>
+            <a:off x="1640632" y="908720"/>
+            <a:ext cx="6480720" cy="338554"/>
           </a:xfrm>
           <a:prstGeom prst="rect">
             <a:avLst/>
@@ -22517,7 +22514,7 @@
                   <a:schemeClr val="accent1"/>
                 </a:solidFill>
               </a:rPr>
-              <a:t>Sugar content tax (40 cents/100 grams)</a:t>
+              <a:t>Sugar content tax (40 cents/100 grams of sugar)</a:t>
             </a:r>
           </a:p>
         </p:txBody>
@@ -22530,7 +22527,7 @@
         </p:nvSpPr>
         <p:spPr>
           <a:xfrm>
-            <a:off x="4232920" y="161256"/>
+            <a:off x="1640632" y="150794"/>
             <a:ext cx="4136841" cy="338554"/>
           </a:xfrm>
           <a:prstGeom prst="rect">
@@ -22566,7 +22563,7 @@
         </p:nvSpPr>
         <p:spPr>
           <a:xfrm>
-            <a:off x="4232920" y="540219"/>
+            <a:off x="1640632" y="529757"/>
             <a:ext cx="3624008" cy="338554"/>
           </a:xfrm>
           <a:prstGeom prst="rect">
@@ -22619,7 +22616,7 @@
             <a:pPr algn="ctr"/>
             <a:r>
               <a:rPr lang="en-AU" sz="2200" dirty="0"/>
-              <a:t>Sugar content of SSB (grams/100mL)</a:t>
+              <a:t>Sugar content of beverage (grams/100mL)</a:t>
             </a:r>
             <a:endParaRPr lang="en-AU" sz="2200" dirty="0">
               <a:ln w="635">
@@ -23027,7 +23024,7 @@
           <p:nvPr>
             <p:extLst>
               <p:ext uri="{D42A27DB-BD31-4B8C-83A1-F6EECF244321}">
-                <p14:modId xmlns:p14="http://schemas.microsoft.com/office/powerpoint/2010/main" val="699830297"/>
+                <p14:modId xmlns:p14="http://schemas.microsoft.com/office/powerpoint/2010/main" val="303685241"/>
               </p:ext>
             </p:extLst>
           </p:nvPr>
@@ -23086,8 +23083,8 @@
         </p:nvSpPr>
         <p:spPr>
           <a:xfrm>
-            <a:off x="776536" y="705921"/>
-            <a:ext cx="4032448" cy="338554"/>
+            <a:off x="776536" y="1124744"/>
+            <a:ext cx="4752528" cy="338554"/>
           </a:xfrm>
           <a:prstGeom prst="rect">
             <a:avLst/>
@@ -23109,7 +23106,7 @@
                   <a:schemeClr val="accent3"/>
                 </a:solidFill>
               </a:rPr>
-              <a:t>Non-processed meat</a:t>
+              <a:t>Non-processed meat and seafood</a:t>
             </a:r>
           </a:p>
         </p:txBody>
@@ -23122,7 +23119,7 @@
         </p:nvSpPr>
         <p:spPr>
           <a:xfrm>
-            <a:off x="776536" y="1052736"/>
+            <a:off x="776536" y="741925"/>
             <a:ext cx="4032448" cy="338554"/>
           </a:xfrm>
           <a:prstGeom prst="rect">

--- a/atlas/ObesityCharts.pptx
+++ b/atlas/ObesityCharts.pptx
@@ -7905,7 +7905,7 @@
         <c:lblAlgn val="ctr"/>
         <c:lblOffset val="100"/>
         <c:tickLblSkip val="20"/>
-        <c:tickMarkSkip val="10"/>
+        <c:tickMarkSkip val="5"/>
         <c:noMultiLvlLbl val="1"/>
       </c:catAx>
       <c:valAx>
@@ -7999,7 +7999,7 @@
           <c:yMode val="edge"/>
           <c:x val="4.1872905309913187E-2"/>
           <c:y val="2.4444444444444401E-2"/>
-          <c:w val="0.95812709469008683"/>
+          <c:w val="0.76291934181304266"/>
           <c:h val="0.90268197725284338"/>
         </c:manualLayout>
       </c:layout>
@@ -10178,7 +10178,7 @@
           <c:yMode val="edge"/>
           <c:x val="6.396910963052696E-2"/>
           <c:y val="3.2013852435112275E-2"/>
-          <c:w val="0.8899282253179891"/>
+          <c:w val="0.89696668685645065"/>
           <c:h val="0.88585331000291634"/>
         </c:manualLayout>
       </c:layout>
@@ -10982,7 +10982,7 @@
           <c:yMode val="edge"/>
           <c:x val="6.396910963052696E-2"/>
           <c:y val="3.2013852435112275E-2"/>
-          <c:w val="0.8899282253179891"/>
+          <c:w val="0.89696668685645065"/>
           <c:h val="0.88585331000291634"/>
         </c:manualLayout>
       </c:layout>
@@ -11113,24 +11113,24 @@
             <c:numRef>
               <c:f>Sheet1!$B$2:$B$30</c:f>
               <c:numCache>
-                <c:formatCode>0.0</c:formatCode>
+                <c:formatCode>General</c:formatCode>
                 <c:ptCount val="29"/>
-                <c:pt idx="0">
+                <c:pt idx="0" formatCode="0.0">
                   <c:v>12.612735720142112</c:v>
                 </c:pt>
-                <c:pt idx="5">
+                <c:pt idx="5" formatCode="0.0">
                   <c:v>13.743086716059688</c:v>
                 </c:pt>
-                <c:pt idx="10">
+                <c:pt idx="10" formatCode="0.0">
                   <c:v>12.378378378378379</c:v>
                 </c:pt>
-                <c:pt idx="15">
+                <c:pt idx="15" formatCode="0.0">
                   <c:v>13.024647610048035</c:v>
                 </c:pt>
-                <c:pt idx="20">
+                <c:pt idx="20" formatCode="0.0">
                   <c:v>13.331588931772092</c:v>
                 </c:pt>
-                <c:pt idx="26">
+                <c:pt idx="26" formatCode="0.0">
                   <c:v>12.810969637610185</c:v>
                 </c:pt>
               </c:numCache>
@@ -11270,24 +11270,24 @@
             <c:numRef>
               <c:f>Sheet1!$C$2:$C$30</c:f>
               <c:numCache>
-                <c:formatCode>0.0</c:formatCode>
+                <c:formatCode>General</c:formatCode>
                 <c:ptCount val="29"/>
-                <c:pt idx="0">
+                <c:pt idx="0" formatCode="0.0">
                   <c:v>15.701011205247335</c:v>
                 </c:pt>
-                <c:pt idx="5">
+                <c:pt idx="5" formatCode="0.0">
                   <c:v>13.701346133778564</c:v>
                 </c:pt>
-                <c:pt idx="10">
+                <c:pt idx="10" formatCode="0.0">
                   <c:v>11.297297297297295</c:v>
                 </c:pt>
-                <c:pt idx="15">
+                <c:pt idx="15" formatCode="0.0">
                   <c:v>10.221277265926451</c:v>
                 </c:pt>
-                <c:pt idx="20">
+                <c:pt idx="20" formatCode="0.0">
                   <c:v>10.996271341662853</c:v>
                 </c:pt>
-                <c:pt idx="26">
+                <c:pt idx="26" formatCode="0.0">
                   <c:v>10.362389813907935</c:v>
                 </c:pt>
               </c:numCache>
@@ -11424,24 +11424,24 @@
             <c:numRef>
               <c:f>Sheet1!$D$2:$D$30</c:f>
               <c:numCache>
-                <c:formatCode>0.0</c:formatCode>
+                <c:formatCode>General</c:formatCode>
                 <c:ptCount val="29"/>
-                <c:pt idx="0">
+                <c:pt idx="0" formatCode="0.0">
                   <c:v>22.191855698278211</c:v>
                 </c:pt>
-                <c:pt idx="5">
+                <c:pt idx="5" formatCode="0.0">
                   <c:v>24.501721799019098</c:v>
                 </c:pt>
-                <c:pt idx="10">
+                <c:pt idx="10" formatCode="0.0">
                   <c:v>26.567567567567568</c:v>
                 </c:pt>
-                <c:pt idx="15">
+                <c:pt idx="15" formatCode="0.0">
                   <c:v>26.419403102606502</c:v>
                 </c:pt>
-                <c:pt idx="20">
+                <c:pt idx="20" formatCode="0.0">
                   <c:v>27.539739648066984</c:v>
                 </c:pt>
-                <c:pt idx="26">
+                <c:pt idx="26" formatCode="0.0">
                   <c:v>30.832517140058769</c:v>
                 </c:pt>
               </c:numCache>
@@ -13350,12 +13350,12 @@
 <c:userShapes xmlns:c="http://schemas.openxmlformats.org/drawingml/2006/chart">
   <cdr:relSizeAnchor xmlns:cdr="http://schemas.openxmlformats.org/drawingml/2006/chartDrawing">
     <cdr:from>
-      <cdr:x>0.07839</cdr:x>
-      <cdr:y>0.02878</cdr:y>
+      <cdr:x>0.33281</cdr:x>
+      <cdr:y>0.332</cdr:y>
     </cdr:from>
     <cdr:to>
-      <cdr:x>0.23674</cdr:x>
-      <cdr:y>0.07815</cdr:y>
+      <cdr:x>0.49116</cdr:x>
+      <cdr:y>0.38137</cdr:y>
     </cdr:to>
     <cdr:sp macro="" textlink="">
       <cdr:nvSpPr>
@@ -13364,8 +13364,8 @@
       </cdr:nvSpPr>
       <cdr:spPr>
         <a:xfrm xmlns:a="http://schemas.openxmlformats.org/drawingml/2006/main">
-          <a:off x="776536" y="197378"/>
-          <a:ext cx="1568615" cy="338554"/>
+          <a:off x="3296816" y="2276872"/>
+          <a:ext cx="1568615" cy="338579"/>
         </a:xfrm>
         <a:prstGeom xmlns:a="http://schemas.openxmlformats.org/drawingml/2006/main" prst="rect">
           <a:avLst/>
@@ -13459,12 +13459,12 @@
   </cdr:relSizeAnchor>
   <cdr:relSizeAnchor xmlns:cdr="http://schemas.openxmlformats.org/drawingml/2006/chartDrawing">
     <cdr:from>
-      <cdr:x>0.07839</cdr:x>
-      <cdr:y>0.09051</cdr:y>
+      <cdr:x>0.32554</cdr:x>
+      <cdr:y>0.71</cdr:y>
     </cdr:from>
     <cdr:to>
-      <cdr:x>0.19409</cdr:x>
-      <cdr:y>0.13987</cdr:y>
+      <cdr:x>0.44124</cdr:x>
+      <cdr:y>0.75936</cdr:y>
     </cdr:to>
     <cdr:sp macro="" textlink="">
       <cdr:nvSpPr>
@@ -13473,8 +13473,8 @@
       </cdr:nvSpPr>
       <cdr:spPr>
         <a:xfrm xmlns:a="http://schemas.openxmlformats.org/drawingml/2006/main">
-          <a:off x="776536" y="620688"/>
-          <a:ext cx="1146148" cy="338554"/>
+          <a:off x="3224808" y="4869160"/>
+          <a:ext cx="1146124" cy="338511"/>
         </a:xfrm>
         <a:prstGeom xmlns:a="http://schemas.openxmlformats.org/drawingml/2006/main" prst="rect">
           <a:avLst/>
@@ -13573,12 +13573,12 @@
 <c:userShapes xmlns:c="http://schemas.openxmlformats.org/drawingml/2006/chart">
   <cdr:relSizeAnchor xmlns:cdr="http://schemas.openxmlformats.org/drawingml/2006/chartDrawing">
     <cdr:from>
-      <cdr:x>0.07112</cdr:x>
-      <cdr:y>0.02751</cdr:y>
+      <cdr:x>0.82556</cdr:x>
+      <cdr:y>0.03801</cdr:y>
     </cdr:from>
     <cdr:to>
-      <cdr:x>0.22947</cdr:x>
-      <cdr:y>0.07688</cdr:y>
+      <cdr:x>0.98391</cdr:x>
+      <cdr:y>0.08738</cdr:y>
     </cdr:to>
     <cdr:sp macro="" textlink="">
       <cdr:nvSpPr>
@@ -13587,7 +13587,7 @@
       </cdr:nvSpPr>
       <cdr:spPr>
         <a:xfrm xmlns:a="http://schemas.openxmlformats.org/drawingml/2006/main">
-          <a:off x="704528" y="188640"/>
+          <a:off x="8177997" y="260673"/>
           <a:ext cx="1568615" cy="338579"/>
         </a:xfrm>
         <a:prstGeom xmlns:a="http://schemas.openxmlformats.org/drawingml/2006/main" prst="rect">
@@ -13682,12 +13682,12 @@
   </cdr:relSizeAnchor>
   <cdr:relSizeAnchor xmlns:cdr="http://schemas.openxmlformats.org/drawingml/2006/chartDrawing">
     <cdr:from>
-      <cdr:x>0.07112</cdr:x>
-      <cdr:y>0.08351</cdr:y>
+      <cdr:x>0.82556</cdr:x>
+      <cdr:y>0.1535</cdr:y>
     </cdr:from>
     <cdr:to>
-      <cdr:x>0.16789</cdr:x>
-      <cdr:y>0.13288</cdr:y>
+      <cdr:x>0.92233</cdr:x>
+      <cdr:y>0.20287</cdr:y>
     </cdr:to>
     <cdr:sp macro="" textlink="">
       <cdr:nvSpPr>
@@ -13696,8 +13696,8 @@
       </cdr:nvSpPr>
       <cdr:spPr>
         <a:xfrm xmlns:a="http://schemas.openxmlformats.org/drawingml/2006/main">
-          <a:off x="704528" y="572705"/>
-          <a:ext cx="958603" cy="338580"/>
+          <a:off x="8177997" y="1052703"/>
+          <a:ext cx="958604" cy="338579"/>
         </a:xfrm>
         <a:prstGeom xmlns:a="http://schemas.openxmlformats.org/drawingml/2006/main" prst="rect">
           <a:avLst/>
@@ -13791,12 +13791,12 @@
   </cdr:relSizeAnchor>
   <cdr:relSizeAnchor xmlns:cdr="http://schemas.openxmlformats.org/drawingml/2006/chartDrawing">
     <cdr:from>
-      <cdr:x>0.07112</cdr:x>
-      <cdr:y>0.2515</cdr:y>
+      <cdr:x>0.82556</cdr:x>
+      <cdr:y>0.3005</cdr:y>
     </cdr:from>
     <cdr:to>
-      <cdr:x>0.1742</cdr:x>
-      <cdr:y>0.30087</cdr:y>
+      <cdr:x>0.92864</cdr:x>
+      <cdr:y>0.34987</cdr:y>
     </cdr:to>
     <cdr:sp macro="" textlink="">
       <cdr:nvSpPr>
@@ -13805,8 +13805,8 @@
       </cdr:nvSpPr>
       <cdr:spPr>
         <a:xfrm xmlns:a="http://schemas.openxmlformats.org/drawingml/2006/main">
-          <a:off x="704528" y="1724765"/>
-          <a:ext cx="1021110" cy="338580"/>
+          <a:off x="8177997" y="2060829"/>
+          <a:ext cx="1021110" cy="338579"/>
         </a:xfrm>
         <a:prstGeom xmlns:a="http://schemas.openxmlformats.org/drawingml/2006/main" prst="rect">
           <a:avLst/>
@@ -13900,12 +13900,12 @@
   </cdr:relSizeAnchor>
   <cdr:relSizeAnchor xmlns:cdr="http://schemas.openxmlformats.org/drawingml/2006/chartDrawing">
     <cdr:from>
-      <cdr:x>0.07112</cdr:x>
-      <cdr:y>0.1955</cdr:y>
+      <cdr:x>0.82556</cdr:x>
+      <cdr:y>0.2585</cdr:y>
     </cdr:from>
     <cdr:to>
-      <cdr:x>0.19313</cdr:x>
-      <cdr:y>0.24486</cdr:y>
+      <cdr:x>0.94757</cdr:x>
+      <cdr:y>0.30786</cdr:y>
     </cdr:to>
     <cdr:sp macro="" textlink="">
       <cdr:nvSpPr>
@@ -13914,7 +13914,7 @@
       </cdr:nvSpPr>
       <cdr:spPr>
         <a:xfrm xmlns:a="http://schemas.openxmlformats.org/drawingml/2006/main">
-          <a:off x="704528" y="1340768"/>
+          <a:off x="8177997" y="1772793"/>
           <a:ext cx="1208631" cy="338511"/>
         </a:xfrm>
         <a:prstGeom xmlns:a="http://schemas.openxmlformats.org/drawingml/2006/main" prst="rect">
@@ -14009,12 +14009,12 @@
   </cdr:relSizeAnchor>
   <cdr:relSizeAnchor xmlns:cdr="http://schemas.openxmlformats.org/drawingml/2006/chartDrawing">
     <cdr:from>
-      <cdr:x>0.07112</cdr:x>
-      <cdr:y>0.13951</cdr:y>
+      <cdr:x>0.82556</cdr:x>
+      <cdr:y>0.206</cdr:y>
     </cdr:from>
     <cdr:to>
-      <cdr:x>0.24556</cdr:x>
-      <cdr:y>0.18887</cdr:y>
+      <cdr:x>1</cdr:x>
+      <cdr:y>0.25536</cdr:y>
     </cdr:to>
     <cdr:sp macro="" textlink="">
       <cdr:nvSpPr>
@@ -14023,8 +14023,8 @@
       </cdr:nvSpPr>
       <cdr:spPr>
         <a:xfrm xmlns:a="http://schemas.openxmlformats.org/drawingml/2006/main">
-          <a:off x="704528" y="956771"/>
-          <a:ext cx="1728002" cy="338511"/>
+          <a:off x="8177997" y="1412776"/>
+          <a:ext cx="1728003" cy="338511"/>
         </a:xfrm>
         <a:prstGeom xmlns:a="http://schemas.openxmlformats.org/drawingml/2006/main" prst="rect">
           <a:avLst/>
@@ -14118,12 +14118,12 @@
   </cdr:relSizeAnchor>
   <cdr:relSizeAnchor xmlns:cdr="http://schemas.openxmlformats.org/drawingml/2006/chartDrawing">
     <cdr:from>
-      <cdr:x>0.07112</cdr:x>
-      <cdr:y>0.3075</cdr:y>
+      <cdr:x>0.82556</cdr:x>
+      <cdr:y>0.3425</cdr:y>
     </cdr:from>
     <cdr:to>
-      <cdr:x>0.16562</cdr:x>
-      <cdr:y>0.35687</cdr:y>
+      <cdr:x>0.92006</cdr:x>
+      <cdr:y>0.39187</cdr:y>
     </cdr:to>
     <cdr:sp macro="" textlink="">
       <cdr:nvSpPr>
@@ -14132,7 +14132,7 @@
       </cdr:nvSpPr>
       <cdr:spPr>
         <a:xfrm xmlns:a="http://schemas.openxmlformats.org/drawingml/2006/main">
-          <a:off x="704528" y="2108831"/>
+          <a:off x="8177997" y="2348865"/>
           <a:ext cx="936117" cy="338579"/>
         </a:xfrm>
         <a:prstGeom xmlns:a="http://schemas.openxmlformats.org/drawingml/2006/main" prst="rect">
@@ -14227,12 +14227,12 @@
   </cdr:relSizeAnchor>
   <cdr:relSizeAnchor xmlns:cdr="http://schemas.openxmlformats.org/drawingml/2006/chartDrawing">
     <cdr:from>
-      <cdr:x>0.07112</cdr:x>
-      <cdr:y>0.3635</cdr:y>
+      <cdr:x>0.82556</cdr:x>
+      <cdr:y>0.815</cdr:y>
     </cdr:from>
     <cdr:to>
-      <cdr:x>0.15365</cdr:x>
-      <cdr:y>0.41287</cdr:y>
+      <cdr:x>0.90809</cdr:x>
+      <cdr:y>0.86437</cdr:y>
     </cdr:to>
     <cdr:sp macro="" textlink="">
       <cdr:nvSpPr>
@@ -14241,7 +14241,7 @@
       </cdr:nvSpPr>
       <cdr:spPr>
         <a:xfrm xmlns:a="http://schemas.openxmlformats.org/drawingml/2006/main">
-          <a:off x="704528" y="2492896"/>
+          <a:off x="8177997" y="5589270"/>
           <a:ext cx="817542" cy="338579"/>
         </a:xfrm>
         <a:prstGeom xmlns:a="http://schemas.openxmlformats.org/drawingml/2006/main" prst="rect">
@@ -22491,8 +22491,8 @@
         </p:nvSpPr>
         <p:spPr>
           <a:xfrm>
-            <a:off x="1640632" y="908720"/>
-            <a:ext cx="6480720" cy="338554"/>
+            <a:off x="2144688" y="2276872"/>
+            <a:ext cx="4104456" cy="677108"/>
           </a:xfrm>
           <a:prstGeom prst="rect">
             <a:avLst/>
@@ -22514,7 +22514,28 @@
                   <a:schemeClr val="accent1"/>
                 </a:solidFill>
               </a:rPr>
-              <a:t>Sugar content tax (40 cents/100 grams of sugar)</a:t>
+              <a:t>Sugar content tax</a:t>
+            </a:r>
+            <a:br>
+              <a:rPr lang="en-AU" sz="2200" b="1" dirty="0">
+                <a:ln w="635">
+                  <a:noFill/>
+                </a:ln>
+                <a:solidFill>
+                  <a:schemeClr val="accent1"/>
+                </a:solidFill>
+              </a:rPr>
+            </a:br>
+            <a:r>
+              <a:rPr lang="en-AU" sz="2200" b="1" dirty="0">
+                <a:ln w="635">
+                  <a:noFill/>
+                </a:ln>
+                <a:solidFill>
+                  <a:schemeClr val="accent1"/>
+                </a:solidFill>
+              </a:rPr>
+              <a:t>(40 cents/100 grams of sugar)</a:t>
             </a:r>
           </a:p>
         </p:txBody>
@@ -22527,8 +22548,8 @@
         </p:nvSpPr>
         <p:spPr>
           <a:xfrm>
-            <a:off x="1640632" y="150794"/>
-            <a:ext cx="4136841" cy="338554"/>
+            <a:off x="902405" y="1121853"/>
+            <a:ext cx="5274731" cy="338554"/>
           </a:xfrm>
           <a:prstGeom prst="rect">
             <a:avLst/>
@@ -22563,8 +22584,8 @@
         </p:nvSpPr>
         <p:spPr>
           <a:xfrm>
-            <a:off x="1640632" y="529757"/>
-            <a:ext cx="3624008" cy="338554"/>
+            <a:off x="1640632" y="1745663"/>
+            <a:ext cx="3096344" cy="338554"/>
           </a:xfrm>
           <a:prstGeom prst="rect">
             <a:avLst/>
@@ -22663,7 +22684,7 @@
           <p:nvPr>
             <p:extLst>
               <p:ext uri="{D42A27DB-BD31-4B8C-83A1-F6EECF244321}">
-                <p14:modId xmlns:p14="http://schemas.microsoft.com/office/powerpoint/2010/main" val="2241791205"/>
+                <p14:modId xmlns:p14="http://schemas.microsoft.com/office/powerpoint/2010/main" val="1280681458"/>
               </p:ext>
             </p:extLst>
           </p:nvPr>
@@ -22715,13 +22736,13 @@
           <p:nvPr>
             <p:extLst>
               <p:ext uri="{D42A27DB-BD31-4B8C-83A1-F6EECF244321}">
-                <p14:modId xmlns:p14="http://schemas.microsoft.com/office/powerpoint/2010/main" val="584755566"/>
+                <p14:modId xmlns:p14="http://schemas.microsoft.com/office/powerpoint/2010/main" val="1203243368"/>
               </p:ext>
             </p:extLst>
           </p:nvPr>
         </p:nvGraphicFramePr>
         <p:xfrm>
-          <a:off x="0" y="0"/>
+          <a:off x="-10327" y="0"/>
           <a:ext cx="9906000" cy="6858000"/>
         </p:xfrm>
         <a:graphic>
@@ -22819,7 +22840,7 @@
           <p:nvPr>
             <p:extLst>
               <p:ext uri="{D42A27DB-BD31-4B8C-83A1-F6EECF244321}">
-                <p14:modId xmlns:p14="http://schemas.microsoft.com/office/powerpoint/2010/main" val="1298886466"/>
+                <p14:modId xmlns:p14="http://schemas.microsoft.com/office/powerpoint/2010/main" val="3747060927"/>
               </p:ext>
             </p:extLst>
           </p:nvPr>
@@ -22842,7 +22863,7 @@
         </p:nvSpPr>
         <p:spPr>
           <a:xfrm>
-            <a:off x="1064568" y="596971"/>
+            <a:off x="830276" y="599202"/>
             <a:ext cx="2232248" cy="338554"/>
           </a:xfrm>
           <a:prstGeom prst="rect">
@@ -22878,7 +22899,7 @@
         </p:nvSpPr>
         <p:spPr>
           <a:xfrm>
-            <a:off x="1064568" y="260648"/>
+            <a:off x="848544" y="260648"/>
             <a:ext cx="1130118" cy="338554"/>
           </a:xfrm>
           <a:prstGeom prst="rect">
@@ -23024,7 +23045,7 @@
           <p:nvPr>
             <p:extLst>
               <p:ext uri="{D42A27DB-BD31-4B8C-83A1-F6EECF244321}">
-                <p14:modId xmlns:p14="http://schemas.microsoft.com/office/powerpoint/2010/main" val="303685241"/>
+                <p14:modId xmlns:p14="http://schemas.microsoft.com/office/powerpoint/2010/main" val="3122064913"/>
               </p:ext>
             </p:extLst>
           </p:nvPr>
@@ -23047,8 +23068,8 @@
         </p:nvSpPr>
         <p:spPr>
           <a:xfrm>
-            <a:off x="776536" y="359106"/>
-            <a:ext cx="4032448" cy="338554"/>
+            <a:off x="7075523" y="1599764"/>
+            <a:ext cx="4032448" cy="677108"/>
           </a:xfrm>
           <a:prstGeom prst="rect">
             <a:avLst/>
@@ -23070,7 +23091,28 @@
                   <a:schemeClr val="bg2"/>
                 </a:solidFill>
               </a:rPr>
-              <a:t>Meals out and takeaway food</a:t>
+              <a:t>Meals out and </a:t>
+            </a:r>
+            <a:br>
+              <a:rPr lang="en-AU" sz="2200" b="1" dirty="0">
+                <a:ln w="635">
+                  <a:noFill/>
+                </a:ln>
+                <a:solidFill>
+                  <a:schemeClr val="bg2"/>
+                </a:solidFill>
+              </a:rPr>
+            </a:br>
+            <a:r>
+              <a:rPr lang="en-AU" sz="2200" b="1" dirty="0">
+                <a:ln w="635">
+                  <a:noFill/>
+                </a:ln>
+                <a:solidFill>
+                  <a:schemeClr val="bg2"/>
+                </a:solidFill>
+              </a:rPr>
+              <a:t>takeaway food</a:t>
             </a:r>
           </a:p>
         </p:txBody>
@@ -23083,8 +23125,8 @@
         </p:nvSpPr>
         <p:spPr>
           <a:xfrm>
-            <a:off x="776536" y="1124744"/>
-            <a:ext cx="4752528" cy="338554"/>
+            <a:off x="7077236" y="4581128"/>
+            <a:ext cx="2520280" cy="677108"/>
           </a:xfrm>
           <a:prstGeom prst="rect">
             <a:avLst/>
@@ -23106,7 +23148,28 @@
                   <a:schemeClr val="accent3"/>
                 </a:solidFill>
               </a:rPr>
-              <a:t>Non-processed meat and seafood</a:t>
+              <a:t>Non-processed </a:t>
+            </a:r>
+            <a:br>
+              <a:rPr lang="en-AU" sz="2200" b="1" dirty="0">
+                <a:ln w="635">
+                  <a:noFill/>
+                </a:ln>
+                <a:solidFill>
+                  <a:schemeClr val="accent3"/>
+                </a:solidFill>
+              </a:rPr>
+            </a:br>
+            <a:r>
+              <a:rPr lang="en-AU" sz="2200" b="1" dirty="0">
+                <a:ln w="635">
+                  <a:noFill/>
+                </a:ln>
+                <a:solidFill>
+                  <a:schemeClr val="accent3"/>
+                </a:solidFill>
+              </a:rPr>
+              <a:t>meat and seafood</a:t>
             </a:r>
           </a:p>
         </p:txBody>
@@ -23119,8 +23182,8 @@
         </p:nvSpPr>
         <p:spPr>
           <a:xfrm>
-            <a:off x="776536" y="741925"/>
-            <a:ext cx="4032448" cy="338554"/>
+            <a:off x="7075523" y="3284984"/>
+            <a:ext cx="4032448" cy="677108"/>
           </a:xfrm>
           <a:prstGeom prst="rect">
             <a:avLst/>
@@ -23142,7 +23205,28 @@
                   <a:schemeClr val="accent1"/>
                 </a:solidFill>
               </a:rPr>
-              <a:t>Fruit and vegetables</a:t>
+              <a:t>Fruit and </a:t>
+            </a:r>
+            <a:br>
+              <a:rPr lang="en-AU" sz="2200" b="1" dirty="0">
+                <a:ln w="635">
+                  <a:noFill/>
+                </a:ln>
+                <a:solidFill>
+                  <a:schemeClr val="accent1"/>
+                </a:solidFill>
+              </a:rPr>
+            </a:br>
+            <a:r>
+              <a:rPr lang="en-AU" sz="2200" b="1" dirty="0">
+                <a:ln w="635">
+                  <a:noFill/>
+                </a:ln>
+                <a:solidFill>
+                  <a:schemeClr val="accent1"/>
+                </a:solidFill>
+              </a:rPr>
+              <a:t>vegetables</a:t>
             </a:r>
           </a:p>
         </p:txBody>
